--- a/documentation/GenerativnaVeštačkaInteligencija.pptx
+++ b/documentation/GenerativnaVeštačkaInteligencija.pptx
@@ -16,18 +16,21 @@
     <p:sldId id="262" r:id="rId10"/>
     <p:sldId id="263" r:id="rId11"/>
     <p:sldId id="264" r:id="rId12"/>
-    <p:sldId id="265" r:id="rId13"/>
-    <p:sldId id="266" r:id="rId14"/>
-    <p:sldId id="267" r:id="rId15"/>
-    <p:sldId id="270" r:id="rId16"/>
-    <p:sldId id="271" r:id="rId17"/>
-    <p:sldId id="272" r:id="rId18"/>
-    <p:sldId id="273" r:id="rId19"/>
-    <p:sldId id="274" r:id="rId20"/>
-    <p:sldId id="275" r:id="rId21"/>
-    <p:sldId id="276" r:id="rId22"/>
-    <p:sldId id="277" r:id="rId23"/>
-    <p:sldId id="278" r:id="rId24"/>
+    <p:sldId id="279" r:id="rId13"/>
+    <p:sldId id="280" r:id="rId14"/>
+    <p:sldId id="281" r:id="rId15"/>
+    <p:sldId id="265" r:id="rId16"/>
+    <p:sldId id="266" r:id="rId17"/>
+    <p:sldId id="267" r:id="rId18"/>
+    <p:sldId id="270" r:id="rId19"/>
+    <p:sldId id="271" r:id="rId20"/>
+    <p:sldId id="272" r:id="rId21"/>
+    <p:sldId id="273" r:id="rId22"/>
+    <p:sldId id="274" r:id="rId23"/>
+    <p:sldId id="275" r:id="rId24"/>
+    <p:sldId id="276" r:id="rId25"/>
+    <p:sldId id="277" r:id="rId26"/>
+    <p:sldId id="278" r:id="rId27"/>
   </p:sldIdLst>
   <p:sldSz cx="9144000" cy="6858000" type="screen4x3"/>
   <p:notesSz cx="6858000" cy="9144000"/>
@@ -321,7 +324,7 @@
           <a:p>
             <a:fld id="{7A7437B6-BCDA-43F2-B870-670ED711177B}" type="datetimeFigureOut">
               <a:rPr lang="en-US" smtClean="0"/>
-              <a:t>5/29/2024</a:t>
+              <a:t>5/30/2024</a:t>
             </a:fld>
             <a:endParaRPr lang="en-US"/>
           </a:p>
@@ -486,7 +489,7 @@
           <a:p>
             <a:fld id="{7A7437B6-BCDA-43F2-B870-670ED711177B}" type="datetimeFigureOut">
               <a:rPr lang="en-US" smtClean="0"/>
-              <a:t>5/29/2024</a:t>
+              <a:t>5/30/2024</a:t>
             </a:fld>
             <a:endParaRPr lang="en-US"/>
           </a:p>
@@ -661,7 +664,7 @@
           <a:p>
             <a:fld id="{7A7437B6-BCDA-43F2-B870-670ED711177B}" type="datetimeFigureOut">
               <a:rPr lang="en-US" smtClean="0"/>
-              <a:t>5/29/2024</a:t>
+              <a:t>5/30/2024</a:t>
             </a:fld>
             <a:endParaRPr lang="en-US"/>
           </a:p>
@@ -844,7 +847,7 @@
           <a:p>
             <a:fld id="{7A7437B6-BCDA-43F2-B870-670ED711177B}" type="datetimeFigureOut">
               <a:rPr lang="en-US" smtClean="0"/>
-              <a:t>5/29/2024</a:t>
+              <a:t>5/30/2024</a:t>
             </a:fld>
             <a:endParaRPr lang="en-US"/>
           </a:p>
@@ -1106,7 +1109,7 @@
           <a:p>
             <a:fld id="{7A7437B6-BCDA-43F2-B870-670ED711177B}" type="datetimeFigureOut">
               <a:rPr lang="en-US" smtClean="0"/>
-              <a:t>5/29/2024</a:t>
+              <a:t>5/30/2024</a:t>
             </a:fld>
             <a:endParaRPr lang="en-US"/>
           </a:p>
@@ -1454,7 +1457,7 @@
           <a:p>
             <a:fld id="{7A7437B6-BCDA-43F2-B870-670ED711177B}" type="datetimeFigureOut">
               <a:rPr lang="en-US" smtClean="0"/>
-              <a:t>5/29/2024</a:t>
+              <a:t>5/30/2024</a:t>
             </a:fld>
             <a:endParaRPr lang="en-US"/>
           </a:p>
@@ -1762,7 +1765,7 @@
           <a:p>
             <a:fld id="{7A7437B6-BCDA-43F2-B870-670ED711177B}" type="datetimeFigureOut">
               <a:rPr lang="en-US" smtClean="0"/>
-              <a:t>5/29/2024</a:t>
+              <a:t>5/30/2024</a:t>
             </a:fld>
             <a:endParaRPr lang="en-US"/>
           </a:p>
@@ -1989,7 +1992,7 @@
           <a:p>
             <a:fld id="{7A7437B6-BCDA-43F2-B870-670ED711177B}" type="datetimeFigureOut">
               <a:rPr lang="en-US" smtClean="0"/>
-              <a:t>5/29/2024</a:t>
+              <a:t>5/30/2024</a:t>
             </a:fld>
             <a:endParaRPr lang="en-US"/>
           </a:p>
@@ -2079,7 +2082,7 @@
           <a:p>
             <a:fld id="{7A7437B6-BCDA-43F2-B870-670ED711177B}" type="datetimeFigureOut">
               <a:rPr lang="en-US" smtClean="0"/>
-              <a:t>5/29/2024</a:t>
+              <a:t>5/30/2024</a:t>
             </a:fld>
             <a:endParaRPr lang="en-US"/>
           </a:p>
@@ -2367,7 +2370,7 @@
           <a:p>
             <a:fld id="{7A7437B6-BCDA-43F2-B870-670ED711177B}" type="datetimeFigureOut">
               <a:rPr lang="en-US" smtClean="0"/>
-              <a:t>5/29/2024</a:t>
+              <a:t>5/30/2024</a:t>
             </a:fld>
             <a:endParaRPr lang="en-US"/>
           </a:p>
@@ -2636,7 +2639,7 @@
           <a:p>
             <a:fld id="{7A7437B6-BCDA-43F2-B870-670ED711177B}" type="datetimeFigureOut">
               <a:rPr lang="en-US" smtClean="0"/>
-              <a:t>5/29/2024</a:t>
+              <a:t>5/30/2024</a:t>
             </a:fld>
             <a:endParaRPr lang="en-US"/>
           </a:p>
@@ -2846,7 +2849,7 @@
           <a:p>
             <a:fld id="{7A7437B6-BCDA-43F2-B870-670ED711177B}" type="datetimeFigureOut">
               <a:rPr lang="en-US" smtClean="0"/>
-              <a:t>5/29/2024</a:t>
+              <a:t>5/30/2024</a:t>
             </a:fld>
             <a:endParaRPr lang="en-US"/>
           </a:p>
@@ -3956,6 +3959,468 @@
         <p:spPr>
           <a:xfrm>
             <a:off x="457200" y="0"/>
+            <a:ext cx="8229600" cy="1371600"/>
+          </a:xfrm>
+        </p:spPr>
+        <p:txBody>
+          <a:bodyPr/>
+          <a:lstStyle/>
+          <a:p>
+            <a:r>
+              <a:rPr lang="sr-Latn-RS" sz="4400" dirty="0" smtClean="0"/>
+              <a:t>Poređenje podataka-CTGAN</a:t>
+            </a:r>
+            <a:endParaRPr lang="en-US" sz="4400" dirty="0"/>
+          </a:p>
+        </p:txBody>
+      </p:sp>
+      <p:sp>
+        <p:nvSpPr>
+          <p:cNvPr id="3" name="Content Placeholder 2"/>
+          <p:cNvSpPr>
+            <a:spLocks noGrp="1"/>
+          </p:cNvSpPr>
+          <p:nvPr>
+            <p:ph idx="1"/>
+          </p:nvPr>
+        </p:nvSpPr>
+        <p:spPr/>
+        <p:txBody>
+          <a:bodyPr>
+            <a:normAutofit/>
+          </a:bodyPr>
+          <a:lstStyle/>
+          <a:p>
+            <a:r>
+              <a:rPr lang="sr-Latn-RS" b="1" dirty="0"/>
+              <a:t>CTGAN</a:t>
+            </a:r>
+            <a:r>
+              <a:rPr lang="sr-Latn-RS" dirty="0"/>
+              <a:t> je sofisticirana biblioteka koja koristi napredne tehnike i optimizacije za generisanje sintetičkih </a:t>
+            </a:r>
+            <a:r>
+              <a:rPr lang="sr-Latn-RS" dirty="0" smtClean="0"/>
+              <a:t>podataka</a:t>
+            </a:r>
+          </a:p>
+          <a:p>
+            <a:pPr lvl="1"/>
+            <a:r>
+              <a:rPr lang="sr-Latn-RS" b="1" dirty="0"/>
+              <a:t>Mean_Integrated</a:t>
+            </a:r>
+            <a:r>
+              <a:rPr lang="sr-Latn-RS" dirty="0"/>
+              <a:t>: Varira od 105.59 do 129.89, pokazujući da su generisani podaci u realističnom opsegu vrednosti.</a:t>
+            </a:r>
+            <a:endParaRPr lang="en-US" dirty="0"/>
+          </a:p>
+          <a:p>
+            <a:pPr lvl="1"/>
+            <a:r>
+              <a:rPr lang="sr-Latn-RS" b="1" dirty="0"/>
+              <a:t>EK</a:t>
+            </a:r>
+            <a:r>
+              <a:rPr lang="sr-Latn-RS" dirty="0"/>
+              <a:t>: Kreće se od 0.022 do 2.502, što je takođe u skladu sa očekivanim opsegom.</a:t>
+            </a:r>
+            <a:endParaRPr lang="en-US" dirty="0"/>
+          </a:p>
+          <a:p>
+            <a:pPr lvl="1"/>
+            <a:r>
+              <a:rPr lang="sr-Latn-RS" b="1" dirty="0"/>
+              <a:t>Skewness</a:t>
+            </a:r>
+            <a:r>
+              <a:rPr lang="sr-Latn-RS" dirty="0"/>
+              <a:t>: Varira od -0.570 do 1.687, što je indikativno za realističnu distribuciju.</a:t>
+            </a:r>
+            <a:endParaRPr lang="en-US" dirty="0"/>
+          </a:p>
+          <a:p>
+            <a:pPr lvl="1"/>
+            <a:r>
+              <a:rPr lang="sr-Latn-RS" b="1" dirty="0"/>
+              <a:t>Mean_DMSNR_Curve</a:t>
+            </a:r>
+            <a:r>
+              <a:rPr lang="sr-Latn-RS" dirty="0"/>
+              <a:t>: Varira od 1.297 do 20.571, što pokazuje realistične vrednosti za ovaj atribut.</a:t>
+            </a:r>
+            <a:endParaRPr lang="en-US" dirty="0"/>
+          </a:p>
+          <a:p>
+            <a:pPr lvl="1"/>
+            <a:r>
+              <a:rPr lang="sr-Latn-RS" b="1" dirty="0"/>
+              <a:t>SD_DMSNR_Curve</a:t>
+            </a:r>
+            <a:r>
+              <a:rPr lang="sr-Latn-RS" dirty="0"/>
+              <a:t>: Pokazuje raznoliku distribuciju, što je znak da CTGAN uspešno modelira varijabilnost u podacima.</a:t>
+            </a:r>
+            <a:endParaRPr lang="en-US" dirty="0"/>
+          </a:p>
+          <a:p>
+            <a:pPr lvl="1"/>
+            <a:r>
+              <a:rPr lang="sr-Latn-RS" b="1" dirty="0"/>
+              <a:t>EK_DMSNR_Curve</a:t>
+            </a:r>
+            <a:r>
+              <a:rPr lang="sr-Latn-RS" dirty="0"/>
+              <a:t> i </a:t>
+            </a:r>
+            <a:r>
+              <a:rPr lang="sr-Latn-RS" b="1" dirty="0"/>
+              <a:t>Skewness_DMSNR_Curve</a:t>
+            </a:r>
+            <a:r>
+              <a:rPr lang="sr-Latn-RS" dirty="0"/>
+              <a:t>: Ove vrednosti su takođe u realističnim opsezima, što ukazuje na uspešnu sintezu podataka.</a:t>
+            </a:r>
+            <a:endParaRPr lang="en-US" dirty="0"/>
+          </a:p>
+          <a:p>
+            <a:endParaRPr lang="en-US" dirty="0"/>
+          </a:p>
+        </p:txBody>
+      </p:sp>
+    </p:spTree>
+    <p:extLst>
+      <p:ext uri="{BB962C8B-B14F-4D97-AF65-F5344CB8AC3E}">
+        <p14:creationId xmlns:p14="http://schemas.microsoft.com/office/powerpoint/2010/main" val="452101433"/>
+      </p:ext>
+    </p:extLst>
+  </p:cSld>
+  <p:clrMapOvr>
+    <a:masterClrMapping/>
+  </p:clrMapOvr>
+</p:sld>
+</file>
+
+<file path=ppt/slides/slide13.xml><?xml version="1.0" encoding="utf-8"?>
+<p:sld xmlns:a="http://schemas.openxmlformats.org/drawingml/2006/main" xmlns:r="http://schemas.openxmlformats.org/officeDocument/2006/relationships" xmlns:p="http://schemas.openxmlformats.org/presentationml/2006/main">
+  <p:cSld>
+    <p:spTree>
+      <p:nvGrpSpPr>
+        <p:cNvPr id="1" name=""/>
+        <p:cNvGrpSpPr/>
+        <p:nvPr/>
+      </p:nvGrpSpPr>
+      <p:grpSpPr>
+        <a:xfrm>
+          <a:off x="0" y="0"/>
+          <a:ext cx="0" cy="0"/>
+          <a:chOff x="0" y="0"/>
+          <a:chExt cx="0" cy="0"/>
+        </a:xfrm>
+      </p:grpSpPr>
+      <p:sp>
+        <p:nvSpPr>
+          <p:cNvPr id="2" name="Title 1"/>
+          <p:cNvSpPr>
+            <a:spLocks noGrp="1"/>
+          </p:cNvSpPr>
+          <p:nvPr>
+            <p:ph type="title"/>
+          </p:nvPr>
+        </p:nvSpPr>
+        <p:spPr/>
+        <p:txBody>
+          <a:bodyPr/>
+          <a:lstStyle/>
+          <a:p>
+            <a:r>
+              <a:rPr lang="sr-Latn-RS" sz="4400" dirty="0" smtClean="0"/>
+              <a:t>Poređenje podataka-Ručno implementiran GAN</a:t>
+            </a:r>
+            <a:endParaRPr lang="en-US" sz="4400" dirty="0"/>
+          </a:p>
+        </p:txBody>
+      </p:sp>
+      <p:sp>
+        <p:nvSpPr>
+          <p:cNvPr id="3" name="Content Placeholder 2"/>
+          <p:cNvSpPr>
+            <a:spLocks noGrp="1"/>
+          </p:cNvSpPr>
+          <p:nvPr>
+            <p:ph idx="1"/>
+          </p:nvPr>
+        </p:nvSpPr>
+        <p:spPr>
+          <a:xfrm>
+            <a:off x="457200" y="2133600"/>
+            <a:ext cx="8229600" cy="3992563"/>
+          </a:xfrm>
+        </p:spPr>
+        <p:txBody>
+          <a:bodyPr>
+            <a:normAutofit/>
+          </a:bodyPr>
+          <a:lstStyle/>
+          <a:p>
+            <a:r>
+              <a:rPr lang="sr-Latn-RS" b="1" dirty="0"/>
+              <a:t>Ručno implementiran GAN</a:t>
+            </a:r>
+            <a:r>
+              <a:rPr lang="sr-Latn-RS" dirty="0"/>
+              <a:t> pokazuje sledeće karakteristike za generisane </a:t>
+            </a:r>
+            <a:r>
+              <a:rPr lang="sr-Latn-RS" dirty="0" smtClean="0"/>
+              <a:t>podatke:</a:t>
+            </a:r>
+            <a:endParaRPr lang="sr-Latn-RS" b="1" dirty="0" smtClean="0"/>
+          </a:p>
+          <a:p>
+            <a:pPr lvl="1"/>
+            <a:r>
+              <a:rPr lang="sr-Latn-RS" b="1" dirty="0" smtClean="0"/>
+              <a:t>Mean_Integrated</a:t>
+            </a:r>
+            <a:r>
+              <a:rPr lang="sr-Latn-RS" dirty="0"/>
+              <a:t>: Vrednosti nisu jasno navedene u generisanim podacima, ali ostale metrike pokazuju određene abnormalnosti.</a:t>
+            </a:r>
+            <a:endParaRPr lang="en-US" dirty="0"/>
+          </a:p>
+          <a:p>
+            <a:pPr lvl="1"/>
+            <a:r>
+              <a:rPr lang="sr-Latn-RS" b="1" dirty="0"/>
+              <a:t>EK</a:t>
+            </a:r>
+            <a:r>
+              <a:rPr lang="sr-Latn-RS" dirty="0"/>
+              <a:t>: Primeri generisanih podataka variraju, ali često prikazuju nerealistične vrednosti (npr. previše koncentrovane ili ekstremne vrednosti).</a:t>
+            </a:r>
+            <a:endParaRPr lang="en-US" dirty="0"/>
+          </a:p>
+          <a:p>
+            <a:pPr lvl="1"/>
+            <a:r>
+              <a:rPr lang="sr-Latn-RS" b="1" dirty="0"/>
+              <a:t>Skewness</a:t>
+            </a:r>
+            <a:r>
+              <a:rPr lang="sr-Latn-RS" dirty="0"/>
+              <a:t>: Negativne vrednosti se pojavljuju, ali distribucija nije uvek u skladu sa očekivanjima iz realnih podataka.</a:t>
+            </a:r>
+            <a:endParaRPr lang="en-US" dirty="0"/>
+          </a:p>
+          <a:p>
+            <a:pPr lvl="1"/>
+            <a:r>
+              <a:rPr lang="sr-Latn-RS" b="1" dirty="0"/>
+              <a:t>Mean_DMSNR_Curve</a:t>
+            </a:r>
+            <a:r>
+              <a:rPr lang="sr-Latn-RS" dirty="0"/>
+              <a:t>: Varira značajno, često prikazuje nerealistične vrednosti.</a:t>
+            </a:r>
+            <a:endParaRPr lang="en-US" dirty="0"/>
+          </a:p>
+          <a:p>
+            <a:pPr lvl="1"/>
+            <a:r>
+              <a:rPr lang="sr-Latn-RS" b="1" dirty="0"/>
+              <a:t>SD_DMSNR_Curve</a:t>
+            </a:r>
+            <a:r>
+              <a:rPr lang="sr-Latn-RS" dirty="0"/>
+              <a:t>, </a:t>
+            </a:r>
+            <a:r>
+              <a:rPr lang="sr-Latn-RS" b="1" dirty="0"/>
+              <a:t>EK_DMSNR_Curve</a:t>
+            </a:r>
+            <a:r>
+              <a:rPr lang="sr-Latn-RS" dirty="0"/>
+              <a:t>, i </a:t>
+            </a:r>
+            <a:r>
+              <a:rPr lang="sr-Latn-RS" b="1" dirty="0"/>
+              <a:t>Skewness_DMSNR_Curve</a:t>
+            </a:r>
+            <a:r>
+              <a:rPr lang="sr-Latn-RS" dirty="0"/>
+              <a:t>: Pokazuju nerealne vrednosti, često izvan opsega realnih podataka.</a:t>
+            </a:r>
+            <a:endParaRPr lang="en-US" dirty="0"/>
+          </a:p>
+          <a:p>
+            <a:endParaRPr lang="en-US" dirty="0"/>
+          </a:p>
+        </p:txBody>
+      </p:sp>
+    </p:spTree>
+    <p:extLst>
+      <p:ext uri="{BB962C8B-B14F-4D97-AF65-F5344CB8AC3E}">
+        <p14:creationId xmlns:p14="http://schemas.microsoft.com/office/powerpoint/2010/main" val="381955355"/>
+      </p:ext>
+    </p:extLst>
+  </p:cSld>
+  <p:clrMapOvr>
+    <a:masterClrMapping/>
+  </p:clrMapOvr>
+</p:sld>
+</file>
+
+<file path=ppt/slides/slide14.xml><?xml version="1.0" encoding="utf-8"?>
+<p:sld xmlns:a="http://schemas.openxmlformats.org/drawingml/2006/main" xmlns:r="http://schemas.openxmlformats.org/officeDocument/2006/relationships" xmlns:p="http://schemas.openxmlformats.org/presentationml/2006/main">
+  <p:cSld>
+    <p:spTree>
+      <p:nvGrpSpPr>
+        <p:cNvPr id="1" name=""/>
+        <p:cNvGrpSpPr/>
+        <p:nvPr/>
+      </p:nvGrpSpPr>
+      <p:grpSpPr>
+        <a:xfrm>
+          <a:off x="0" y="0"/>
+          <a:ext cx="0" cy="0"/>
+          <a:chOff x="0" y="0"/>
+          <a:chExt cx="0" cy="0"/>
+        </a:xfrm>
+      </p:grpSpPr>
+      <p:sp>
+        <p:nvSpPr>
+          <p:cNvPr id="2" name="Title 1"/>
+          <p:cNvSpPr>
+            <a:spLocks noGrp="1"/>
+          </p:cNvSpPr>
+          <p:nvPr>
+            <p:ph type="title"/>
+          </p:nvPr>
+        </p:nvSpPr>
+        <p:spPr/>
+        <p:txBody>
+          <a:bodyPr/>
+          <a:lstStyle/>
+          <a:p>
+            <a:r>
+              <a:rPr lang="sr-Latn-RS" sz="4400" dirty="0">
+                <a:effectLst/>
+              </a:rPr>
+              <a:t>Razlozi za lošije performanse ručno implementiranog GAN-a</a:t>
+            </a:r>
+            <a:endParaRPr lang="en-US" sz="4400" dirty="0"/>
+          </a:p>
+        </p:txBody>
+      </p:sp>
+      <p:sp>
+        <p:nvSpPr>
+          <p:cNvPr id="3" name="Content Placeholder 2"/>
+          <p:cNvSpPr>
+            <a:spLocks noGrp="1"/>
+          </p:cNvSpPr>
+          <p:nvPr>
+            <p:ph idx="1"/>
+          </p:nvPr>
+        </p:nvSpPr>
+        <p:spPr>
+          <a:xfrm>
+            <a:off x="457200" y="2133600"/>
+            <a:ext cx="8229600" cy="3992563"/>
+          </a:xfrm>
+        </p:spPr>
+        <p:txBody>
+          <a:bodyPr/>
+          <a:lstStyle/>
+          <a:p>
+            <a:r>
+              <a:rPr lang="sr-Latn-RS" b="1" dirty="0"/>
+              <a:t>Jednostavnija </a:t>
+            </a:r>
+            <a:r>
+              <a:rPr lang="sr-Latn-RS" b="1" dirty="0" smtClean="0"/>
+              <a:t>arhitektura</a:t>
+            </a:r>
+          </a:p>
+          <a:p>
+            <a:r>
+              <a:rPr lang="sr-Latn-RS" b="1" dirty="0"/>
+              <a:t>Nedostatak naprednih </a:t>
+            </a:r>
+            <a:r>
+              <a:rPr lang="sr-Latn-RS" b="1" dirty="0" smtClean="0"/>
+              <a:t>tehnika</a:t>
+            </a:r>
+          </a:p>
+          <a:p>
+            <a:r>
+              <a:rPr lang="sr-Latn-RS" b="1" dirty="0" smtClean="0"/>
+              <a:t>Optimizacija</a:t>
+            </a:r>
+          </a:p>
+          <a:p>
+            <a:r>
+              <a:rPr lang="sr-Latn-RS" b="1" dirty="0"/>
+              <a:t>Dataset </a:t>
+            </a:r>
+            <a:r>
+              <a:rPr lang="sr-Latn-RS" b="1" dirty="0" smtClean="0"/>
+              <a:t>pre-processing</a:t>
+            </a:r>
+          </a:p>
+          <a:p>
+            <a:r>
+              <a:rPr lang="sr-Latn-RS" b="1" dirty="0"/>
+              <a:t>Regularizacija</a:t>
+            </a:r>
+            <a:endParaRPr lang="en-US" dirty="0"/>
+          </a:p>
+        </p:txBody>
+      </p:sp>
+    </p:spTree>
+    <p:extLst>
+      <p:ext uri="{BB962C8B-B14F-4D97-AF65-F5344CB8AC3E}">
+        <p14:creationId xmlns:p14="http://schemas.microsoft.com/office/powerpoint/2010/main" val="3797065694"/>
+      </p:ext>
+    </p:extLst>
+  </p:cSld>
+  <p:clrMapOvr>
+    <a:masterClrMapping/>
+  </p:clrMapOvr>
+</p:sld>
+</file>
+
+<file path=ppt/slides/slide15.xml><?xml version="1.0" encoding="utf-8"?>
+<p:sld xmlns:a="http://schemas.openxmlformats.org/drawingml/2006/main" xmlns:r="http://schemas.openxmlformats.org/officeDocument/2006/relationships" xmlns:p="http://schemas.openxmlformats.org/presentationml/2006/main">
+  <p:cSld>
+    <p:spTree>
+      <p:nvGrpSpPr>
+        <p:cNvPr id="1" name=""/>
+        <p:cNvGrpSpPr/>
+        <p:nvPr/>
+      </p:nvGrpSpPr>
+      <p:grpSpPr>
+        <a:xfrm>
+          <a:off x="0" y="0"/>
+          <a:ext cx="0" cy="0"/>
+          <a:chOff x="0" y="0"/>
+          <a:chExt cx="0" cy="0"/>
+        </a:xfrm>
+      </p:grpSpPr>
+      <p:sp>
+        <p:nvSpPr>
+          <p:cNvPr id="2" name="Title 1"/>
+          <p:cNvSpPr>
+            <a:spLocks noGrp="1"/>
+          </p:cNvSpPr>
+          <p:nvPr>
+            <p:ph type="title"/>
+          </p:nvPr>
+        </p:nvSpPr>
+        <p:spPr>
+          <a:xfrm>
+            <a:off x="457200" y="0"/>
             <a:ext cx="8229600" cy="1981200"/>
           </a:xfrm>
         </p:spPr>
@@ -5210,7 +5675,7 @@
 </p:sld>
 </file>
 
-<file path=ppt/slides/slide13.xml><?xml version="1.0" encoding="utf-8"?>
+<file path=ppt/slides/slide16.xml><?xml version="1.0" encoding="utf-8"?>
 <p:sld xmlns:a="http://schemas.openxmlformats.org/drawingml/2006/main" xmlns:r="http://schemas.openxmlformats.org/officeDocument/2006/relationships" xmlns:p="http://schemas.openxmlformats.org/presentationml/2006/main">
   <p:cSld>
     <p:spTree>
@@ -6457,7 +6922,7 @@
 </p:sld>
 </file>
 
-<file path=ppt/slides/slide14.xml><?xml version="1.0" encoding="utf-8"?>
+<file path=ppt/slides/slide17.xml><?xml version="1.0" encoding="utf-8"?>
 <p:sld xmlns:a="http://schemas.openxmlformats.org/drawingml/2006/main" xmlns:r="http://schemas.openxmlformats.org/officeDocument/2006/relationships" xmlns:p="http://schemas.openxmlformats.org/presentationml/2006/main">
   <p:cSld>
     <p:spTree>
@@ -7715,7 +8180,7 @@
 </p:sld>
 </file>
 
-<file path=ppt/slides/slide15.xml><?xml version="1.0" encoding="utf-8"?>
+<file path=ppt/slides/slide18.xml><?xml version="1.0" encoding="utf-8"?>
 <p:sld xmlns:a="http://schemas.openxmlformats.org/drawingml/2006/main" xmlns:r="http://schemas.openxmlformats.org/officeDocument/2006/relationships" xmlns:p="http://schemas.openxmlformats.org/presentationml/2006/main">
   <p:cSld>
     <p:spTree>
@@ -8248,7 +8713,7 @@
 </p:sld>
 </file>
 
-<file path=ppt/slides/slide16.xml><?xml version="1.0" encoding="utf-8"?>
+<file path=ppt/slides/slide19.xml><?xml version="1.0" encoding="utf-8"?>
 <p:sld xmlns:a="http://schemas.openxmlformats.org/drawingml/2006/main" xmlns:r="http://schemas.openxmlformats.org/officeDocument/2006/relationships" xmlns:p="http://schemas.openxmlformats.org/presentationml/2006/main">
   <p:cSld>
     <p:spTree>
@@ -8566,7 +9031,157 @@
 </p:sld>
 </file>
 
-<file path=ppt/slides/slide17.xml><?xml version="1.0" encoding="utf-8"?>
+<file path=ppt/slides/slide2.xml><?xml version="1.0" encoding="utf-8"?>
+<p:sld xmlns:a="http://schemas.openxmlformats.org/drawingml/2006/main" xmlns:r="http://schemas.openxmlformats.org/officeDocument/2006/relationships" xmlns:p="http://schemas.openxmlformats.org/presentationml/2006/main">
+  <p:cSld>
+    <p:spTree>
+      <p:nvGrpSpPr>
+        <p:cNvPr id="1" name=""/>
+        <p:cNvGrpSpPr/>
+        <p:nvPr/>
+      </p:nvGrpSpPr>
+      <p:grpSpPr>
+        <a:xfrm>
+          <a:off x="0" y="0"/>
+          <a:ext cx="0" cy="0"/>
+          <a:chOff x="0" y="0"/>
+          <a:chExt cx="0" cy="0"/>
+        </a:xfrm>
+      </p:grpSpPr>
+      <p:sp>
+        <p:nvSpPr>
+          <p:cNvPr id="2" name="Title 1"/>
+          <p:cNvSpPr>
+            <a:spLocks noGrp="1"/>
+          </p:cNvSpPr>
+          <p:nvPr>
+            <p:ph type="title"/>
+          </p:nvPr>
+        </p:nvSpPr>
+        <p:spPr/>
+        <p:txBody>
+          <a:bodyPr/>
+          <a:lstStyle/>
+          <a:p>
+            <a:r>
+              <a:rPr lang="en-US" dirty="0" err="1" smtClean="0">
+                <a:effectLst/>
+              </a:rPr>
+              <a:t>Uvod</a:t>
+            </a:r>
+            <a:endParaRPr lang="en-US" dirty="0"/>
+          </a:p>
+        </p:txBody>
+      </p:sp>
+      <p:sp>
+        <p:nvSpPr>
+          <p:cNvPr id="3" name="Content Placeholder 2"/>
+          <p:cNvSpPr>
+            <a:spLocks noGrp="1"/>
+          </p:cNvSpPr>
+          <p:nvPr>
+            <p:ph idx="1"/>
+          </p:nvPr>
+        </p:nvSpPr>
+        <p:spPr/>
+        <p:txBody>
+          <a:bodyPr/>
+          <a:lstStyle/>
+          <a:p>
+            <a:r>
+              <a:rPr lang="en-US" b="1" dirty="0" err="1" smtClean="0"/>
+              <a:t>Klasifikacija</a:t>
+            </a:r>
+            <a:r>
+              <a:rPr lang="en-US" b="1" dirty="0" smtClean="0"/>
+              <a:t> </a:t>
+            </a:r>
+            <a:r>
+              <a:rPr lang="en-US" b="1" dirty="0" err="1" smtClean="0"/>
+              <a:t>podataka</a:t>
+            </a:r>
+            <a:r>
+              <a:rPr lang="en-US" b="1" dirty="0" smtClean="0"/>
+              <a:t> </a:t>
+            </a:r>
+            <a:r>
+              <a:rPr lang="en-US" dirty="0" smtClean="0"/>
+              <a:t>p</a:t>
+            </a:r>
+            <a:r>
+              <a:rPr lang="sr-Latn-RS" dirty="0" smtClean="0"/>
+              <a:t>redstavlja </a:t>
+            </a:r>
+            <a:r>
+              <a:rPr lang="sr-Latn-RS" dirty="0"/>
+              <a:t>proces automatskog kategorizovanja ili grupisanja podataka na osnovu njihovih </a:t>
+            </a:r>
+            <a:r>
+              <a:rPr lang="sr-Latn-RS" dirty="0" smtClean="0"/>
+              <a:t>karakteristika</a:t>
+            </a:r>
+            <a:r>
+              <a:rPr lang="en-US" dirty="0" smtClean="0"/>
+              <a:t>.</a:t>
+            </a:r>
+          </a:p>
+          <a:p>
+            <a:r>
+              <a:rPr lang="sr-Latn-RS" dirty="0"/>
+              <a:t>Ovaj rad istražuje kako ove metode mogu biti primenjene na originalni skup podataka, kao i na sintetički </a:t>
+            </a:r>
+            <a:r>
+              <a:rPr lang="sr-Latn-RS" b="1" dirty="0"/>
+              <a:t>generisane </a:t>
+            </a:r>
+            <a:r>
+              <a:rPr lang="sr-Latn-RS" b="1" dirty="0" smtClean="0"/>
+              <a:t>podatke</a:t>
+            </a:r>
+            <a:r>
+              <a:rPr lang="en-US" dirty="0" smtClean="0"/>
+              <a:t>.</a:t>
+            </a:r>
+          </a:p>
+          <a:p>
+            <a:r>
+              <a:rPr lang="en-US" dirty="0"/>
+              <a:t>C</a:t>
+            </a:r>
+            <a:r>
+              <a:rPr lang="sr-Latn-RS" dirty="0" smtClean="0"/>
+              <a:t>ilj </a:t>
+            </a:r>
+            <a:r>
+              <a:rPr lang="sr-Latn-RS" dirty="0"/>
+              <a:t>ovog istraživanja je ne samo da pruži uvid u primenu ovih metoda klasifikacije, već i da ilustruje njihove prednosti i ograničenja u kontekstu generativne veštačke </a:t>
+            </a:r>
+            <a:r>
+              <a:rPr lang="sr-Latn-RS" dirty="0" smtClean="0"/>
+              <a:t>inteligencije</a:t>
+            </a:r>
+            <a:r>
+              <a:rPr lang="en-US" dirty="0" smtClean="0"/>
+              <a:t>.</a:t>
+            </a:r>
+            <a:endParaRPr lang="en-US" dirty="0"/>
+          </a:p>
+        </p:txBody>
+      </p:sp>
+    </p:spTree>
+    <p:extLst>
+      <p:ext uri="{BB962C8B-B14F-4D97-AF65-F5344CB8AC3E}">
+        <p14:creationId xmlns:p14="http://schemas.microsoft.com/office/powerpoint/2010/main" val="1347442873"/>
+      </p:ext>
+    </p:extLst>
+  </p:cSld>
+  <p:clrMapOvr>
+    <a:masterClrMapping/>
+  </p:clrMapOvr>
+</p:sld>
+</file>
+
+<file path=ppt/slides/slide20.xml><?xml version="1.0" encoding="utf-8"?>
 <p:sld xmlns:a="http://schemas.openxmlformats.org/drawingml/2006/main" xmlns:r="http://schemas.openxmlformats.org/officeDocument/2006/relationships" xmlns:p="http://schemas.openxmlformats.org/presentationml/2006/main">
   <p:cSld>
     <p:spTree>
@@ -8856,7 +9471,7 @@
 </p:sld>
 </file>
 
-<file path=ppt/slides/slide18.xml><?xml version="1.0" encoding="utf-8"?>
+<file path=ppt/slides/slide21.xml><?xml version="1.0" encoding="utf-8"?>
 <p:sld xmlns:a="http://schemas.openxmlformats.org/drawingml/2006/main" xmlns:r="http://schemas.openxmlformats.org/officeDocument/2006/relationships" xmlns:p="http://schemas.openxmlformats.org/presentationml/2006/main">
   <p:cSld>
     <p:spTree>
@@ -9345,7 +9960,7 @@
 </p:sld>
 </file>
 
-<file path=ppt/slides/slide19.xml><?xml version="1.0" encoding="utf-8"?>
+<file path=ppt/slides/slide22.xml><?xml version="1.0" encoding="utf-8"?>
 <p:sld xmlns:a="http://schemas.openxmlformats.org/drawingml/2006/main" xmlns:r="http://schemas.openxmlformats.org/officeDocument/2006/relationships" xmlns:p="http://schemas.openxmlformats.org/presentationml/2006/main">
   <p:cSld>
     <p:spTree>
@@ -9478,157 +10093,7 @@
 </p:sld>
 </file>
 
-<file path=ppt/slides/slide2.xml><?xml version="1.0" encoding="utf-8"?>
-<p:sld xmlns:a="http://schemas.openxmlformats.org/drawingml/2006/main" xmlns:r="http://schemas.openxmlformats.org/officeDocument/2006/relationships" xmlns:p="http://schemas.openxmlformats.org/presentationml/2006/main">
-  <p:cSld>
-    <p:spTree>
-      <p:nvGrpSpPr>
-        <p:cNvPr id="1" name=""/>
-        <p:cNvGrpSpPr/>
-        <p:nvPr/>
-      </p:nvGrpSpPr>
-      <p:grpSpPr>
-        <a:xfrm>
-          <a:off x="0" y="0"/>
-          <a:ext cx="0" cy="0"/>
-          <a:chOff x="0" y="0"/>
-          <a:chExt cx="0" cy="0"/>
-        </a:xfrm>
-      </p:grpSpPr>
-      <p:sp>
-        <p:nvSpPr>
-          <p:cNvPr id="2" name="Title 1"/>
-          <p:cNvSpPr>
-            <a:spLocks noGrp="1"/>
-          </p:cNvSpPr>
-          <p:nvPr>
-            <p:ph type="title"/>
-          </p:nvPr>
-        </p:nvSpPr>
-        <p:spPr/>
-        <p:txBody>
-          <a:bodyPr/>
-          <a:lstStyle/>
-          <a:p>
-            <a:r>
-              <a:rPr lang="en-US" dirty="0" err="1" smtClean="0">
-                <a:effectLst/>
-              </a:rPr>
-              <a:t>Uvod</a:t>
-            </a:r>
-            <a:endParaRPr lang="en-US" dirty="0"/>
-          </a:p>
-        </p:txBody>
-      </p:sp>
-      <p:sp>
-        <p:nvSpPr>
-          <p:cNvPr id="3" name="Content Placeholder 2"/>
-          <p:cNvSpPr>
-            <a:spLocks noGrp="1"/>
-          </p:cNvSpPr>
-          <p:nvPr>
-            <p:ph idx="1"/>
-          </p:nvPr>
-        </p:nvSpPr>
-        <p:spPr/>
-        <p:txBody>
-          <a:bodyPr/>
-          <a:lstStyle/>
-          <a:p>
-            <a:r>
-              <a:rPr lang="en-US" b="1" dirty="0" err="1" smtClean="0"/>
-              <a:t>Klasifikacija</a:t>
-            </a:r>
-            <a:r>
-              <a:rPr lang="en-US" b="1" dirty="0" smtClean="0"/>
-              <a:t> </a:t>
-            </a:r>
-            <a:r>
-              <a:rPr lang="en-US" b="1" dirty="0" err="1" smtClean="0"/>
-              <a:t>podataka</a:t>
-            </a:r>
-            <a:r>
-              <a:rPr lang="en-US" b="1" dirty="0" smtClean="0"/>
-              <a:t> </a:t>
-            </a:r>
-            <a:r>
-              <a:rPr lang="en-US" dirty="0" smtClean="0"/>
-              <a:t>p</a:t>
-            </a:r>
-            <a:r>
-              <a:rPr lang="sr-Latn-RS" dirty="0" smtClean="0"/>
-              <a:t>redstavlja </a:t>
-            </a:r>
-            <a:r>
-              <a:rPr lang="sr-Latn-RS" dirty="0"/>
-              <a:t>proces automatskog kategorizovanja ili grupisanja podataka na osnovu njihovih </a:t>
-            </a:r>
-            <a:r>
-              <a:rPr lang="sr-Latn-RS" dirty="0" smtClean="0"/>
-              <a:t>karakteristika</a:t>
-            </a:r>
-            <a:r>
-              <a:rPr lang="en-US" dirty="0" smtClean="0"/>
-              <a:t>.</a:t>
-            </a:r>
-          </a:p>
-          <a:p>
-            <a:r>
-              <a:rPr lang="sr-Latn-RS" dirty="0"/>
-              <a:t>Ovaj rad istražuje kako ove metode mogu biti primenjene na originalni skup podataka, kao i na sintetički </a:t>
-            </a:r>
-            <a:r>
-              <a:rPr lang="sr-Latn-RS" b="1" dirty="0"/>
-              <a:t>generisane </a:t>
-            </a:r>
-            <a:r>
-              <a:rPr lang="sr-Latn-RS" b="1" dirty="0" smtClean="0"/>
-              <a:t>podatke</a:t>
-            </a:r>
-            <a:r>
-              <a:rPr lang="en-US" dirty="0" smtClean="0"/>
-              <a:t>.</a:t>
-            </a:r>
-          </a:p>
-          <a:p>
-            <a:r>
-              <a:rPr lang="en-US" dirty="0"/>
-              <a:t>C</a:t>
-            </a:r>
-            <a:r>
-              <a:rPr lang="sr-Latn-RS" dirty="0" smtClean="0"/>
-              <a:t>ilj </a:t>
-            </a:r>
-            <a:r>
-              <a:rPr lang="sr-Latn-RS" dirty="0"/>
-              <a:t>ovog istraživanja je ne samo da pruži uvid u primenu ovih metoda klasifikacije, već i da ilustruje njihove prednosti i ograničenja u kontekstu generativne veštačke </a:t>
-            </a:r>
-            <a:r>
-              <a:rPr lang="sr-Latn-RS" dirty="0" smtClean="0"/>
-              <a:t>inteligencije</a:t>
-            </a:r>
-            <a:r>
-              <a:rPr lang="en-US" dirty="0" smtClean="0"/>
-              <a:t>.</a:t>
-            </a:r>
-            <a:endParaRPr lang="en-US" dirty="0"/>
-          </a:p>
-        </p:txBody>
-      </p:sp>
-    </p:spTree>
-    <p:extLst>
-      <p:ext uri="{BB962C8B-B14F-4D97-AF65-F5344CB8AC3E}">
-        <p14:creationId xmlns:p14="http://schemas.microsoft.com/office/powerpoint/2010/main" val="1347442873"/>
-      </p:ext>
-    </p:extLst>
-  </p:cSld>
-  <p:clrMapOvr>
-    <a:masterClrMapping/>
-  </p:clrMapOvr>
-</p:sld>
-</file>
-
-<file path=ppt/slides/slide20.xml><?xml version="1.0" encoding="utf-8"?>
+<file path=ppt/slides/slide23.xml><?xml version="1.0" encoding="utf-8"?>
 <p:sld xmlns:a="http://schemas.openxmlformats.org/drawingml/2006/main" xmlns:r="http://schemas.openxmlformats.org/officeDocument/2006/relationships" xmlns:p="http://schemas.openxmlformats.org/presentationml/2006/main">
   <p:cSld>
     <p:spTree>
@@ -10207,7 +10672,7 @@
 </p:sld>
 </file>
 
-<file path=ppt/slides/slide21.xml><?xml version="1.0" encoding="utf-8"?>
+<file path=ppt/slides/slide24.xml><?xml version="1.0" encoding="utf-8"?>
 <p:sld xmlns:a="http://schemas.openxmlformats.org/drawingml/2006/main" xmlns:r="http://schemas.openxmlformats.org/officeDocument/2006/relationships" xmlns:p="http://schemas.openxmlformats.org/presentationml/2006/main">
   <p:cSld>
     <p:spTree>
@@ -10390,7 +10855,7 @@
 </p:sld>
 </file>
 
-<file path=ppt/slides/slide22.xml><?xml version="1.0" encoding="utf-8"?>
+<file path=ppt/slides/slide25.xml><?xml version="1.0" encoding="utf-8"?>
 <p:sld xmlns:a="http://schemas.openxmlformats.org/drawingml/2006/main" xmlns:r="http://schemas.openxmlformats.org/officeDocument/2006/relationships" xmlns:p="http://schemas.openxmlformats.org/presentationml/2006/main">
   <p:cSld>
     <p:spTree>
@@ -10523,7 +10988,7 @@
 </p:sld>
 </file>
 
-<file path=ppt/slides/slide23.xml><?xml version="1.0" encoding="utf-8"?>
+<file path=ppt/slides/slide26.xml><?xml version="1.0" encoding="utf-8"?>
 <p:sld xmlns:a="http://schemas.openxmlformats.org/drawingml/2006/main" xmlns:r="http://schemas.openxmlformats.org/officeDocument/2006/relationships" xmlns:p="http://schemas.openxmlformats.org/presentationml/2006/main">
   <p:cSld>
     <p:spTree>
